--- a/in_class_slides/geog4300_W08-1 Tests of difference Midterm.pptx
+++ b/in_class_slides/geog4300_W08-1 Tests of difference Midterm.pptx
@@ -207,7 +207,7 @@
           <a:p>
             <a:fld id="{F1C23026-85D4-48E8-9219-18000F688023}" type="datetimeFigureOut">
               <a:rPr lang="en-US" smtClean="0"/>
-              <a:t>10/6/2021</a:t>
+              <a:t>10/12/2021</a:t>
             </a:fld>
             <a:endParaRPr lang="en-US"/>
           </a:p>
@@ -2361,7 +2361,7 @@
           <a:p>
             <a:fld id="{93C8B963-0F36-48FC-991E-AA63861DA924}" type="datetimeFigureOut">
               <a:rPr lang="en-US" smtClean="0"/>
-              <a:t>10/6/2021</a:t>
+              <a:t>10/12/2021</a:t>
             </a:fld>
             <a:endParaRPr lang="en-US"/>
           </a:p>
@@ -2659,7 +2659,7 @@
           <a:p>
             <a:fld id="{93C8B963-0F36-48FC-991E-AA63861DA924}" type="datetimeFigureOut">
               <a:rPr lang="en-US" smtClean="0"/>
-              <a:t>10/6/2021</a:t>
+              <a:t>10/12/2021</a:t>
             </a:fld>
             <a:endParaRPr lang="en-US"/>
           </a:p>
@@ -2851,7 +2851,7 @@
           <a:p>
             <a:fld id="{93C8B963-0F36-48FC-991E-AA63861DA924}" type="datetimeFigureOut">
               <a:rPr lang="en-US" smtClean="0"/>
-              <a:t>10/6/2021</a:t>
+              <a:t>10/12/2021</a:t>
             </a:fld>
             <a:endParaRPr lang="en-US"/>
           </a:p>
@@ -3112,7 +3112,7 @@
           <a:p>
             <a:fld id="{93C8B963-0F36-48FC-991E-AA63861DA924}" type="datetimeFigureOut">
               <a:rPr lang="en-US" smtClean="0"/>
-              <a:t>10/6/2021</a:t>
+              <a:t>10/12/2021</a:t>
             </a:fld>
             <a:endParaRPr lang="en-US"/>
           </a:p>
@@ -3536,7 +3536,7 @@
           <a:p>
             <a:fld id="{93C8B963-0F36-48FC-991E-AA63861DA924}" type="datetimeFigureOut">
               <a:rPr lang="en-US" smtClean="0"/>
-              <a:t>10/6/2021</a:t>
+              <a:t>10/12/2021</a:t>
             </a:fld>
             <a:endParaRPr lang="en-US"/>
           </a:p>
@@ -4073,7 +4073,7 @@
           <a:p>
             <a:fld id="{93C8B963-0F36-48FC-991E-AA63861DA924}" type="datetimeFigureOut">
               <a:rPr lang="en-US" smtClean="0"/>
-              <a:t>10/6/2021</a:t>
+              <a:t>10/12/2021</a:t>
             </a:fld>
             <a:endParaRPr lang="en-US"/>
           </a:p>
@@ -4937,7 +4937,7 @@
           <a:p>
             <a:fld id="{93C8B963-0F36-48FC-991E-AA63861DA924}" type="datetimeFigureOut">
               <a:rPr lang="en-US" smtClean="0"/>
-              <a:t>10/6/2021</a:t>
+              <a:t>10/12/2021</a:t>
             </a:fld>
             <a:endParaRPr lang="en-US"/>
           </a:p>
@@ -5107,7 +5107,7 @@
           <a:p>
             <a:fld id="{93C8B963-0F36-48FC-991E-AA63861DA924}" type="datetimeFigureOut">
               <a:rPr lang="en-US" smtClean="0"/>
-              <a:t>10/6/2021</a:t>
+              <a:t>10/12/2021</a:t>
             </a:fld>
             <a:endParaRPr lang="en-US"/>
           </a:p>
@@ -5291,7 +5291,7 @@
           <a:p>
             <a:fld id="{93C8B963-0F36-48FC-991E-AA63861DA924}" type="datetimeFigureOut">
               <a:rPr lang="en-US" smtClean="0"/>
-              <a:t>10/6/2021</a:t>
+              <a:t>10/12/2021</a:t>
             </a:fld>
             <a:endParaRPr lang="en-US"/>
           </a:p>
@@ -5461,7 +5461,7 @@
           <a:p>
             <a:fld id="{93C8B963-0F36-48FC-991E-AA63861DA924}" type="datetimeFigureOut">
               <a:rPr lang="en-US" smtClean="0"/>
-              <a:t>10/6/2021</a:t>
+              <a:t>10/12/2021</a:t>
             </a:fld>
             <a:endParaRPr lang="en-US"/>
           </a:p>
@@ -5705,7 +5705,7 @@
           <a:p>
             <a:fld id="{93C8B963-0F36-48FC-991E-AA63861DA924}" type="datetimeFigureOut">
               <a:rPr lang="en-US" smtClean="0"/>
-              <a:t>10/6/2021</a:t>
+              <a:t>10/12/2021</a:t>
             </a:fld>
             <a:endParaRPr lang="en-US"/>
           </a:p>
@@ -5941,7 +5941,7 @@
           <a:p>
             <a:fld id="{93C8B963-0F36-48FC-991E-AA63861DA924}" type="datetimeFigureOut">
               <a:rPr lang="en-US" smtClean="0"/>
-              <a:t>10/6/2021</a:t>
+              <a:t>10/12/2021</a:t>
             </a:fld>
             <a:endParaRPr lang="en-US"/>
           </a:p>
@@ -6407,7 +6407,7 @@
           <a:p>
             <a:fld id="{93C8B963-0F36-48FC-991E-AA63861DA924}" type="datetimeFigureOut">
               <a:rPr lang="en-US" smtClean="0"/>
-              <a:t>10/6/2021</a:t>
+              <a:t>10/12/2021</a:t>
             </a:fld>
             <a:endParaRPr lang="en-US"/>
           </a:p>
@@ -6525,7 +6525,7 @@
           <a:p>
             <a:fld id="{93C8B963-0F36-48FC-991E-AA63861DA924}" type="datetimeFigureOut">
               <a:rPr lang="en-US" smtClean="0"/>
-              <a:t>10/6/2021</a:t>
+              <a:t>10/12/2021</a:t>
             </a:fld>
             <a:endParaRPr lang="en-US"/>
           </a:p>
@@ -6620,7 +6620,7 @@
           <a:p>
             <a:fld id="{93C8B963-0F36-48FC-991E-AA63861DA924}" type="datetimeFigureOut">
               <a:rPr lang="en-US" smtClean="0"/>
-              <a:t>10/6/2021</a:t>
+              <a:t>10/12/2021</a:t>
             </a:fld>
             <a:endParaRPr lang="en-US"/>
           </a:p>
@@ -6875,7 +6875,7 @@
           <a:p>
             <a:fld id="{93C8B963-0F36-48FC-991E-AA63861DA924}" type="datetimeFigureOut">
               <a:rPr lang="en-US" smtClean="0"/>
-              <a:t>10/6/2021</a:t>
+              <a:t>10/12/2021</a:t>
             </a:fld>
             <a:endParaRPr lang="en-US"/>
           </a:p>
@@ -7175,7 +7175,7 @@
           <a:p>
             <a:fld id="{93C8B963-0F36-48FC-991E-AA63861DA924}" type="datetimeFigureOut">
               <a:rPr lang="en-US" smtClean="0"/>
-              <a:t>10/6/2021</a:t>
+              <a:t>10/12/2021</a:t>
             </a:fld>
             <a:endParaRPr lang="en-US"/>
           </a:p>
@@ -7409,7 +7409,7 @@
           <a:p>
             <a:fld id="{93C8B963-0F36-48FC-991E-AA63861DA924}" type="datetimeFigureOut">
               <a:rPr lang="en-US" smtClean="0"/>
-              <a:t>10/6/2021</a:t>
+              <a:t>10/12/2021</a:t>
             </a:fld>
             <a:endParaRPr lang="en-US"/>
           </a:p>
@@ -8841,7 +8841,7 @@
         <p:spPr>
           <a:xfrm>
             <a:off x="536896" y="253767"/>
-            <a:ext cx="5404204" cy="584700"/>
+            <a:ext cx="7894040" cy="584700"/>
           </a:xfrm>
           <a:prstGeom prst="rect">
             <a:avLst/>
@@ -9524,7 +9524,7 @@
           <a:p>
             <a:r>
               <a:rPr lang="en-US" sz="2800" dirty="0"/>
-              <a:t>These results are only possible in &lt;5% of all possible samples in which the two means are equal.</a:t>
+              <a:t>These results are possible in &lt;5% of all possible samples in which the two means are equal.</a:t>
             </a:r>
           </a:p>
         </p:txBody>
@@ -9649,8 +9649,12 @@
           </a:p>
           <a:p>
             <a:r>
+              <a:rPr lang="en-US" sz="2800" b="1" dirty="0"/>
+              <a:t>Degrees of freedom:</a:t>
+            </a:r>
+            <a:r>
               <a:rPr lang="en-US" sz="2800" b="1" i="1" dirty="0"/>
-              <a:t>Degrees of freedom: </a:t>
+              <a:t> </a:t>
             </a:r>
           </a:p>
           <a:p>
